--- a/notes/day2/2ndDay.pptx
+++ b/notes/day2/2ndDay.pptx
@@ -236,7 +236,7 @@
           <a:p>
             <a:fld id="{F15A6252-5F50-4106-9C23-9E03A675631E}" type="datetimeFigureOut">
               <a:rPr lang="en-IN" smtClean="0"/>
-              <a:t>04-02-2020</a:t>
+              <a:t>12-05-2021</a:t>
             </a:fld>
             <a:endParaRPr lang="en-IN"/>
           </a:p>
@@ -1325,7 +1325,7 @@
           <a:p>
             <a:fld id="{4086692B-153F-4DFE-BFBD-A2AE2C7443B6}" type="datetimeFigureOut">
               <a:rPr lang="en-IN" smtClean="0"/>
-              <a:t>04-02-2020</a:t>
+              <a:t>12-05-2021</a:t>
             </a:fld>
             <a:endParaRPr lang="en-IN"/>
           </a:p>
@@ -1525,7 +1525,7 @@
           <a:p>
             <a:fld id="{4086692B-153F-4DFE-BFBD-A2AE2C7443B6}" type="datetimeFigureOut">
               <a:rPr lang="en-IN" smtClean="0"/>
-              <a:t>04-02-2020</a:t>
+              <a:t>12-05-2021</a:t>
             </a:fld>
             <a:endParaRPr lang="en-IN"/>
           </a:p>
@@ -1735,7 +1735,7 @@
           <a:p>
             <a:fld id="{4086692B-153F-4DFE-BFBD-A2AE2C7443B6}" type="datetimeFigureOut">
               <a:rPr lang="en-IN" smtClean="0"/>
-              <a:t>04-02-2020</a:t>
+              <a:t>12-05-2021</a:t>
             </a:fld>
             <a:endParaRPr lang="en-IN"/>
           </a:p>
@@ -1935,7 +1935,7 @@
           <a:p>
             <a:fld id="{4086692B-153F-4DFE-BFBD-A2AE2C7443B6}" type="datetimeFigureOut">
               <a:rPr lang="en-IN" smtClean="0"/>
-              <a:t>04-02-2020</a:t>
+              <a:t>12-05-2021</a:t>
             </a:fld>
             <a:endParaRPr lang="en-IN"/>
           </a:p>
@@ -2211,7 +2211,7 @@
           <a:p>
             <a:fld id="{4086692B-153F-4DFE-BFBD-A2AE2C7443B6}" type="datetimeFigureOut">
               <a:rPr lang="en-IN" smtClean="0"/>
-              <a:t>04-02-2020</a:t>
+              <a:t>12-05-2021</a:t>
             </a:fld>
             <a:endParaRPr lang="en-IN"/>
           </a:p>
@@ -2479,7 +2479,7 @@
           <a:p>
             <a:fld id="{4086692B-153F-4DFE-BFBD-A2AE2C7443B6}" type="datetimeFigureOut">
               <a:rPr lang="en-IN" smtClean="0"/>
-              <a:t>04-02-2020</a:t>
+              <a:t>12-05-2021</a:t>
             </a:fld>
             <a:endParaRPr lang="en-IN"/>
           </a:p>
@@ -2894,7 +2894,7 @@
           <a:p>
             <a:fld id="{4086692B-153F-4DFE-BFBD-A2AE2C7443B6}" type="datetimeFigureOut">
               <a:rPr lang="en-IN" smtClean="0"/>
-              <a:t>04-02-2020</a:t>
+              <a:t>12-05-2021</a:t>
             </a:fld>
             <a:endParaRPr lang="en-IN"/>
           </a:p>
@@ -3036,7 +3036,7 @@
           <a:p>
             <a:fld id="{4086692B-153F-4DFE-BFBD-A2AE2C7443B6}" type="datetimeFigureOut">
               <a:rPr lang="en-IN" smtClean="0"/>
-              <a:t>04-02-2020</a:t>
+              <a:t>12-05-2021</a:t>
             </a:fld>
             <a:endParaRPr lang="en-IN"/>
           </a:p>
@@ -3149,7 +3149,7 @@
           <a:p>
             <a:fld id="{4086692B-153F-4DFE-BFBD-A2AE2C7443B6}" type="datetimeFigureOut">
               <a:rPr lang="en-IN" smtClean="0"/>
-              <a:t>04-02-2020</a:t>
+              <a:t>12-05-2021</a:t>
             </a:fld>
             <a:endParaRPr lang="en-IN"/>
           </a:p>
@@ -3462,7 +3462,7 @@
           <a:p>
             <a:fld id="{4086692B-153F-4DFE-BFBD-A2AE2C7443B6}" type="datetimeFigureOut">
               <a:rPr lang="en-IN" smtClean="0"/>
-              <a:t>04-02-2020</a:t>
+              <a:t>12-05-2021</a:t>
             </a:fld>
             <a:endParaRPr lang="en-IN"/>
           </a:p>
@@ -3751,7 +3751,7 @@
           <a:p>
             <a:fld id="{4086692B-153F-4DFE-BFBD-A2AE2C7443B6}" type="datetimeFigureOut">
               <a:rPr lang="en-IN" smtClean="0"/>
-              <a:t>04-02-2020</a:t>
+              <a:t>12-05-2021</a:t>
             </a:fld>
             <a:endParaRPr lang="en-IN"/>
           </a:p>
@@ -3994,7 +3994,7 @@
           <a:p>
             <a:fld id="{4086692B-153F-4DFE-BFBD-A2AE2C7443B6}" type="datetimeFigureOut">
               <a:rPr lang="en-IN" smtClean="0"/>
-              <a:t>04-02-2020</a:t>
+              <a:t>12-05-2021</a:t>
             </a:fld>
             <a:endParaRPr lang="en-IN"/>
           </a:p>
@@ -9091,7 +9091,7 @@
         <p:spPr>
           <a:xfrm>
             <a:off x="876822" y="1805705"/>
-            <a:ext cx="11315178" cy="5262979"/>
+            <a:ext cx="11315178" cy="4154984"/>
           </a:xfrm>
           <a:prstGeom prst="rect">
             <a:avLst/>
@@ -9163,38 +9163,6 @@
           </a:p>
           <a:p>
             <a:endParaRPr lang="en-US" sz="2400" b="1" dirty="0">
-              <a:solidFill>
-                <a:schemeClr val="bg1"/>
-              </a:solidFill>
-            </a:endParaRPr>
-          </a:p>
-          <a:p>
-            <a:endParaRPr lang="en-US" sz="2400" b="1" dirty="0">
-              <a:solidFill>
-                <a:schemeClr val="bg1"/>
-              </a:solidFill>
-            </a:endParaRPr>
-          </a:p>
-          <a:p>
-            <a:r>
-              <a:rPr lang="en-US" sz="2400" b="1" dirty="0" err="1">
-                <a:solidFill>
-                  <a:schemeClr val="bg1"/>
-                </a:solidFill>
-              </a:rPr>
-              <a:t>Healthcheck</a:t>
-            </a:r>
-            <a:r>
-              <a:rPr lang="en-US" sz="2400" b="1" dirty="0">
-                <a:solidFill>
-                  <a:schemeClr val="bg1"/>
-                </a:solidFill>
-              </a:rPr>
-              <a:t> and liveness check may be using this.</a:t>
-            </a:r>
-          </a:p>
-          <a:p>
-            <a:endParaRPr lang="en-US" sz="2400" dirty="0">
               <a:solidFill>
                 <a:schemeClr val="bg1"/>
               </a:solidFill>
